--- a/myeongji/졸작/계획 및 발표/ppt/졸업프로젝트_신기술동향_발표.pptx
+++ b/myeongji/졸작/계획 및 발표/ppt/졸업프로젝트_신기술동향_발표.pptx
@@ -1704,6 +1704,14 @@
               <a:t> </a:t>
             </a:r>
             <a:r>
+              <a:rPr lang="ko-KR" altLang="en-US" dirty="0" err="1"/>
+              <a:t>더뎠던</a:t>
+            </a:r>
+            <a:r>
+              <a:rPr lang="ko-KR" altLang="en-US" dirty="0"/>
+              <a:t> </a:t>
+            </a:r>
+            <a:r>
               <a:rPr lang="en-US" altLang="ko-KR" dirty="0"/>
               <a:t>~ </a:t>
             </a:r>
@@ -1712,7 +1720,7 @@
               <a:t>시작할 계획이라고 합니다</a:t>
             </a:r>
             <a:r>
-              <a:rPr lang="en-US" altLang="ko-KR"/>
+              <a:rPr lang="en-US" altLang="ko-KR" dirty="0"/>
               <a:t>.</a:t>
             </a:r>
             <a:endParaRPr lang="ko-KR" altLang="en-US" dirty="0"/>
